--- a/w04/W04.pptx
+++ b/w04/W04.pptx
@@ -404,7 +404,8 @@
           <a:p>
             <a:fld id="{5BBEAD13-0566-4C6C-97E7-55F17F24B09F}" type="datetimeFigureOut">
               <a:rPr lang="zh-TW" altLang="en-US" smtClean="0"/>
-              <a:t>2022/3/4</a:t>
+              <a:pPr/>
+              <a:t>2022/8/30</a:t>
             </a:fld>
             <a:endParaRPr lang="zh-TW" altLang="en-US"/>
           </a:p>
@@ -472,6 +473,7 @@
           <a:p>
             <a:fld id="{73DA0BB7-265A-403C-9275-D587AB510EDC}" type="slidenum">
               <a:rPr lang="zh-TW" altLang="en-US" smtClean="0"/>
+              <a:pPr/>
               <a:t>‹#›</a:t>
             </a:fld>
             <a:endParaRPr lang="zh-TW" altLang="en-US"/>
@@ -595,7 +597,8 @@
           <a:p>
             <a:fld id="{5BBEAD13-0566-4C6C-97E7-55F17F24B09F}" type="datetimeFigureOut">
               <a:rPr lang="zh-TW" altLang="en-US" smtClean="0"/>
-              <a:t>2022/3/4</a:t>
+              <a:pPr/>
+              <a:t>2022/8/30</a:t>
             </a:fld>
             <a:endParaRPr lang="zh-TW" altLang="en-US"/>
           </a:p>
@@ -637,6 +640,7 @@
           <a:p>
             <a:fld id="{73DA0BB7-265A-403C-9275-D587AB510EDC}" type="slidenum">
               <a:rPr lang="zh-TW" altLang="en-US" smtClean="0"/>
+              <a:pPr/>
               <a:t>‹#›</a:t>
             </a:fld>
             <a:endParaRPr lang="zh-TW" altLang="en-US"/>
@@ -780,7 +784,8 @@
           <a:p>
             <a:fld id="{5BBEAD13-0566-4C6C-97E7-55F17F24B09F}" type="datetimeFigureOut">
               <a:rPr lang="zh-TW" altLang="en-US" smtClean="0"/>
-              <a:t>2022/3/4</a:t>
+              <a:pPr/>
+              <a:t>2022/8/30</a:t>
             </a:fld>
             <a:endParaRPr lang="zh-TW" altLang="en-US"/>
           </a:p>
@@ -967,6 +972,7 @@
           <a:p>
             <a:fld id="{73DA0BB7-265A-403C-9275-D587AB510EDC}" type="slidenum">
               <a:rPr lang="zh-TW" altLang="en-US" smtClean="0"/>
+              <a:pPr/>
               <a:t>‹#›</a:t>
             </a:fld>
             <a:endParaRPr lang="zh-TW" altLang="en-US"/>
@@ -1043,7 +1049,8 @@
           <a:p>
             <a:fld id="{5BBEAD13-0566-4C6C-97E7-55F17F24B09F}" type="datetimeFigureOut">
               <a:rPr lang="zh-TW" altLang="en-US" smtClean="0"/>
-              <a:t>2022/3/4</a:t>
+              <a:pPr/>
+              <a:t>2022/8/30</a:t>
             </a:fld>
             <a:endParaRPr lang="zh-TW" altLang="en-US"/>
           </a:p>
@@ -1093,6 +1100,7 @@
           <a:p>
             <a:fld id="{73DA0BB7-265A-403C-9275-D587AB510EDC}" type="slidenum">
               <a:rPr lang="zh-TW" altLang="en-US" smtClean="0"/>
+              <a:pPr/>
               <a:t>‹#›</a:t>
             </a:fld>
             <a:endParaRPr lang="zh-TW" altLang="en-US"/>
@@ -1459,7 +1467,8 @@
           <a:p>
             <a:fld id="{5BBEAD13-0566-4C6C-97E7-55F17F24B09F}" type="datetimeFigureOut">
               <a:rPr lang="zh-TW" altLang="en-US" smtClean="0"/>
-              <a:t>2022/3/4</a:t>
+              <a:pPr/>
+              <a:t>2022/8/30</a:t>
             </a:fld>
             <a:endParaRPr lang="zh-TW" altLang="en-US"/>
           </a:p>
@@ -1497,6 +1506,7 @@
           <a:p>
             <a:fld id="{73DA0BB7-265A-403C-9275-D587AB510EDC}" type="slidenum">
               <a:rPr lang="zh-TW" altLang="en-US" smtClean="0"/>
+              <a:pPr/>
               <a:t>‹#›</a:t>
             </a:fld>
             <a:endParaRPr lang="zh-TW" altLang="en-US"/>
@@ -1701,7 +1711,8 @@
           <a:p>
             <a:fld id="{5BBEAD13-0566-4C6C-97E7-55F17F24B09F}" type="datetimeFigureOut">
               <a:rPr lang="zh-TW" altLang="en-US" smtClean="0"/>
-              <a:t>2022/3/4</a:t>
+              <a:pPr/>
+              <a:t>2022/8/30</a:t>
             </a:fld>
             <a:endParaRPr lang="zh-TW" altLang="en-US"/>
           </a:p>
@@ -1724,6 +1735,7 @@
           <a:p>
             <a:fld id="{73DA0BB7-265A-403C-9275-D587AB510EDC}" type="slidenum">
               <a:rPr lang="zh-TW" altLang="en-US" smtClean="0"/>
+              <a:pPr/>
               <a:t>‹#›</a:t>
             </a:fld>
             <a:endParaRPr lang="zh-TW" altLang="en-US"/>
@@ -1937,7 +1949,8 @@
           <a:p>
             <a:fld id="{5BBEAD13-0566-4C6C-97E7-55F17F24B09F}" type="datetimeFigureOut">
               <a:rPr lang="zh-TW" altLang="en-US" smtClean="0"/>
-              <a:t>2022/3/4</a:t>
+              <a:pPr/>
+              <a:t>2022/8/30</a:t>
             </a:fld>
             <a:endParaRPr lang="zh-TW" altLang="en-US"/>
           </a:p>
@@ -1960,6 +1973,7 @@
           <a:p>
             <a:fld id="{73DA0BB7-265A-403C-9275-D587AB510EDC}" type="slidenum">
               <a:rPr lang="zh-TW" altLang="en-US" smtClean="0"/>
+              <a:pPr/>
               <a:t>‹#›</a:t>
             </a:fld>
             <a:endParaRPr lang="zh-TW" altLang="en-US"/>
@@ -2132,7 +2146,8 @@
           <a:p>
             <a:fld id="{5BBEAD13-0566-4C6C-97E7-55F17F24B09F}" type="datetimeFigureOut">
               <a:rPr lang="zh-TW" altLang="en-US" smtClean="0"/>
-              <a:t>2022/3/4</a:t>
+              <a:pPr/>
+              <a:t>2022/8/30</a:t>
             </a:fld>
             <a:endParaRPr lang="zh-TW" altLang="en-US"/>
           </a:p>
@@ -2182,6 +2197,7 @@
           <a:p>
             <a:fld id="{73DA0BB7-265A-403C-9275-D587AB510EDC}" type="slidenum">
               <a:rPr lang="zh-TW" altLang="en-US" smtClean="0"/>
+              <a:pPr/>
               <a:t>‹#›</a:t>
             </a:fld>
             <a:endParaRPr lang="zh-TW" altLang="en-US"/>
@@ -2230,7 +2246,8 @@
           <a:p>
             <a:fld id="{5BBEAD13-0566-4C6C-97E7-55F17F24B09F}" type="datetimeFigureOut">
               <a:rPr lang="zh-TW" altLang="en-US" smtClean="0"/>
-              <a:t>2022/3/4</a:t>
+              <a:pPr/>
+              <a:t>2022/8/30</a:t>
             </a:fld>
             <a:endParaRPr lang="zh-TW" altLang="en-US"/>
           </a:p>
@@ -2285,6 +2302,7 @@
           <a:p>
             <a:fld id="{73DA0BB7-265A-403C-9275-D587AB510EDC}" type="slidenum">
               <a:rPr lang="zh-TW" altLang="en-US" smtClean="0"/>
+              <a:pPr/>
               <a:t>‹#›</a:t>
             </a:fld>
             <a:endParaRPr lang="zh-TW" altLang="en-US"/>
@@ -2366,7 +2384,8 @@
           <a:p>
             <a:fld id="{5BBEAD13-0566-4C6C-97E7-55F17F24B09F}" type="datetimeFigureOut">
               <a:rPr lang="zh-TW" altLang="en-US" smtClean="0"/>
-              <a:t>2022/3/4</a:t>
+              <a:pPr/>
+              <a:t>2022/8/30</a:t>
             </a:fld>
             <a:endParaRPr lang="zh-TW" altLang="en-US"/>
           </a:p>
@@ -2416,6 +2435,7 @@
           <a:p>
             <a:fld id="{73DA0BB7-265A-403C-9275-D587AB510EDC}" type="slidenum">
               <a:rPr lang="zh-TW" altLang="en-US" smtClean="0"/>
+              <a:pPr/>
               <a:t>‹#›</a:t>
             </a:fld>
             <a:endParaRPr lang="zh-TW" altLang="en-US"/>
@@ -2884,7 +2904,8 @@
           <a:p>
             <a:fld id="{5BBEAD13-0566-4C6C-97E7-55F17F24B09F}" type="datetimeFigureOut">
               <a:rPr lang="zh-TW" altLang="en-US" smtClean="0"/>
-              <a:t>2022/3/4</a:t>
+              <a:pPr/>
+              <a:t>2022/8/30</a:t>
             </a:fld>
             <a:endParaRPr lang="zh-TW" altLang="en-US"/>
           </a:p>
@@ -2916,6 +2937,7 @@
           <a:p>
             <a:fld id="{73DA0BB7-265A-403C-9275-D587AB510EDC}" type="slidenum">
               <a:rPr lang="zh-TW" altLang="en-US" smtClean="0"/>
+              <a:pPr/>
               <a:t>‹#›</a:t>
             </a:fld>
             <a:endParaRPr lang="zh-TW" altLang="en-US"/>
@@ -3145,7 +3167,8 @@
           <a:p>
             <a:fld id="{5BBEAD13-0566-4C6C-97E7-55F17F24B09F}" type="datetimeFigureOut">
               <a:rPr lang="zh-TW" altLang="en-US" smtClean="0"/>
-              <a:t>2022/3/4</a:t>
+              <a:pPr/>
+              <a:t>2022/8/30</a:t>
             </a:fld>
             <a:endParaRPr lang="zh-TW" altLang="en-US"/>
           </a:p>
@@ -3363,6 +3386,7 @@
           <a:p>
             <a:fld id="{73DA0BB7-265A-403C-9275-D587AB510EDC}" type="slidenum">
               <a:rPr lang="zh-TW" altLang="en-US" smtClean="0"/>
+              <a:pPr/>
               <a:t>‹#›</a:t>
             </a:fld>
             <a:endParaRPr lang="zh-TW" altLang="en-US"/>
@@ -3709,11 +3733,7 @@
             </a:r>
             <a:r>
               <a:rPr lang="en-US" altLang="zh-TW" dirty="0" smtClean="0"/>
-              <a:t>-</a:t>
-            </a:r>
-            <a:r>
-              <a:rPr lang="en-US" altLang="zh-TW" dirty="0" smtClean="0"/>
-              <a:t>W04</a:t>
+              <a:t>-W04</a:t>
             </a:r>
             <a:endParaRPr lang="zh-TW" altLang="en-US" dirty="0"/>
           </a:p>
@@ -3749,7 +3769,7 @@
     </p:spTree>
     <p:extLst>
       <p:ext uri="{BB962C8B-B14F-4D97-AF65-F5344CB8AC3E}">
-        <p14:creationId xmlns:p14="http://schemas.microsoft.com/office/powerpoint/2010/main" val="907554520"/>
+        <p14:creationId xmlns:p14="http://schemas.microsoft.com/office/powerpoint/2010/main" xmlns="" val="907554520"/>
       </p:ext>
     </p:extLst>
   </p:cSld>
@@ -3797,11 +3817,7 @@
             </a:r>
             <a:r>
               <a:rPr lang="zh-TW" altLang="en-US" dirty="0" smtClean="0"/>
-              <a:t>的</a:t>
-            </a:r>
-            <a:r>
-              <a:rPr lang="zh-TW" altLang="en-US" dirty="0" smtClean="0"/>
-              <a:t>主題</a:t>
+              <a:t>的主題</a:t>
             </a:r>
             <a:endParaRPr lang="zh-TW" altLang="en-US" dirty="0"/>
           </a:p>
@@ -3871,7 +3887,7 @@
     </p:spTree>
     <p:extLst>
       <p:ext uri="{BB962C8B-B14F-4D97-AF65-F5344CB8AC3E}">
-        <p14:creationId xmlns:p14="http://schemas.microsoft.com/office/powerpoint/2010/main" val="3063263756"/>
+        <p14:creationId xmlns:p14="http://schemas.microsoft.com/office/powerpoint/2010/main" xmlns="" val="3063263756"/>
       </p:ext>
     </p:extLst>
   </p:cSld>
@@ -4001,7 +4017,7 @@
     </p:spTree>
     <p:extLst>
       <p:ext uri="{BB962C8B-B14F-4D97-AF65-F5344CB8AC3E}">
-        <p14:creationId xmlns:p14="http://schemas.microsoft.com/office/powerpoint/2010/main" val="2387432254"/>
+        <p14:creationId xmlns:p14="http://schemas.microsoft.com/office/powerpoint/2010/main" xmlns="" val="2387432254"/>
       </p:ext>
     </p:extLst>
   </p:cSld>
@@ -4125,7 +4141,7 @@
     </p:spTree>
     <p:extLst>
       <p:ext uri="{BB962C8B-B14F-4D97-AF65-F5344CB8AC3E}">
-        <p14:creationId xmlns:p14="http://schemas.microsoft.com/office/powerpoint/2010/main" val="2404782950"/>
+        <p14:creationId xmlns:p14="http://schemas.microsoft.com/office/powerpoint/2010/main" xmlns="" val="2404782950"/>
       </p:ext>
     </p:extLst>
   </p:cSld>
@@ -4246,7 +4262,7 @@
     </p:spTree>
     <p:extLst>
       <p:ext uri="{BB962C8B-B14F-4D97-AF65-F5344CB8AC3E}">
-        <p14:creationId xmlns:p14="http://schemas.microsoft.com/office/powerpoint/2010/main" val="1947158237"/>
+        <p14:creationId xmlns:p14="http://schemas.microsoft.com/office/powerpoint/2010/main" xmlns="" val="1947158237"/>
       </p:ext>
     </p:extLst>
   </p:cSld>
@@ -4349,30 +4365,41 @@
       </p:sp>
       <p:pic>
         <p:nvPicPr>
-          <p:cNvPr id="5" name="圖片 4"/>
-          <p:cNvPicPr/>
+          <p:cNvPr id="1026" name="Picture 2"/>
+          <p:cNvPicPr>
+            <a:picLocks noChangeAspect="1" noChangeArrowheads="1"/>
+          </p:cNvPicPr>
           <p:nvPr/>
         </p:nvPicPr>
         <p:blipFill>
           <a:blip r:embed="rId2"/>
+          <a:srcRect/>
           <a:stretch>
             <a:fillRect/>
           </a:stretch>
         </p:blipFill>
-        <p:spPr>
-          <a:xfrm>
-            <a:off x="5364089" y="2204864"/>
-            <a:ext cx="3753980" cy="2376264"/>
+        <p:spPr bwMode="auto">
+          <a:xfrm>
+            <a:off x="4929190" y="2285992"/>
+            <a:ext cx="3648075" cy="2743200"/>
           </a:xfrm>
           <a:prstGeom prst="rect">
             <a:avLst/>
           </a:prstGeom>
+          <a:noFill/>
+          <a:ln w="9525">
+            <a:noFill/>
+            <a:miter lim="800000"/>
+            <a:headEnd/>
+            <a:tailEnd/>
+          </a:ln>
+          <a:effectLst/>
         </p:spPr>
       </p:pic>
     </p:spTree>
     <p:extLst>
       <p:ext uri="{BB962C8B-B14F-4D97-AF65-F5344CB8AC3E}">
-        <p14:creationId xmlns:p14="http://schemas.microsoft.com/office/powerpoint/2010/main" val="2679288337"/>
+        <p14:creationId xmlns:p14="http://schemas.microsoft.com/office/powerpoint/2010/main" xmlns="" val="2679288337"/>
       </p:ext>
     </p:extLst>
   </p:cSld>
@@ -4554,32 +4581,10 @@
           </a:p>
         </p:txBody>
       </p:sp>
-      <p:pic>
-        <p:nvPicPr>
-          <p:cNvPr id="5" name="圖片 4"/>
-          <p:cNvPicPr/>
-          <p:nvPr/>
-        </p:nvPicPr>
-        <p:blipFill>
-          <a:blip r:embed="rId2"/>
-          <a:stretch>
-            <a:fillRect/>
-          </a:stretch>
-        </p:blipFill>
-        <p:spPr>
-          <a:xfrm>
-            <a:off x="5364089" y="2204864"/>
-            <a:ext cx="3753980" cy="2376264"/>
-          </a:xfrm>
-          <a:prstGeom prst="rect">
-            <a:avLst/>
-          </a:prstGeom>
-        </p:spPr>
-      </p:pic>
     </p:spTree>
     <p:extLst>
       <p:ext uri="{BB962C8B-B14F-4D97-AF65-F5344CB8AC3E}">
-        <p14:creationId xmlns:p14="http://schemas.microsoft.com/office/powerpoint/2010/main" val="716571743"/>
+        <p14:creationId xmlns:p14="http://schemas.microsoft.com/office/powerpoint/2010/main" xmlns="" val="716571743"/>
       </p:ext>
     </p:extLst>
   </p:cSld>
